--- a/code_freeze_session.pptx
+++ b/code_freeze_session.pptx
@@ -109,6 +109,11 @@
       </a:defRPr>
     </a:lvl9pPr>
   </p:defaultTextStyle>
+  <p:extLst>
+    <p:ext uri="{EFAFB233-063F-42B5-8137-9DF3F51BA10A}">
+      <p15:sldGuideLst xmlns:p15="http://schemas.microsoft.com/office/powerpoint/2012/main"/>
+    </p:ext>
+  </p:extLst>
 </p:presentation>
 </file>
 
@@ -259,7 +264,7 @@
           <a:p>
             <a:fld id="{2F6C725E-E5A6-46D4-8EB0-2077D4BE5EA3}" type="datetimeFigureOut">
               <a:rPr lang="en-US" smtClean="0"/>
-              <a:t>5/22/2022</a:t>
+              <a:t>6/6/2022</a:t>
             </a:fld>
             <a:endParaRPr lang="en-US"/>
           </a:p>
@@ -457,7 +462,7 @@
           <a:p>
             <a:fld id="{2F6C725E-E5A6-46D4-8EB0-2077D4BE5EA3}" type="datetimeFigureOut">
               <a:rPr lang="en-US" smtClean="0"/>
-              <a:t>5/22/2022</a:t>
+              <a:t>6/6/2022</a:t>
             </a:fld>
             <a:endParaRPr lang="en-US"/>
           </a:p>
@@ -665,7 +670,7 @@
           <a:p>
             <a:fld id="{2F6C725E-E5A6-46D4-8EB0-2077D4BE5EA3}" type="datetimeFigureOut">
               <a:rPr lang="en-US" smtClean="0"/>
-              <a:t>5/22/2022</a:t>
+              <a:t>6/6/2022</a:t>
             </a:fld>
             <a:endParaRPr lang="en-US"/>
           </a:p>
@@ -835,7 +840,7 @@
           <a:p>
             <a:fld id="{A41EA36B-F569-7043-A718-487F57441DC6}" type="datetimeFigureOut">
               <a:rPr lang="en-NL" smtClean="0"/>
-              <a:t>05/22/2022</a:t>
+              <a:t>06/06/2022</a:t>
             </a:fld>
             <a:endParaRPr lang="en-NL"/>
           </a:p>
@@ -1686,7 +1691,7 @@
           <a:p>
             <a:fld id="{2F6C725E-E5A6-46D4-8EB0-2077D4BE5EA3}" type="datetimeFigureOut">
               <a:rPr lang="en-US" smtClean="0"/>
-              <a:t>5/22/2022</a:t>
+              <a:t>6/6/2022</a:t>
             </a:fld>
             <a:endParaRPr lang="en-US"/>
           </a:p>
@@ -1961,7 +1966,7 @@
           <a:p>
             <a:fld id="{2F6C725E-E5A6-46D4-8EB0-2077D4BE5EA3}" type="datetimeFigureOut">
               <a:rPr lang="en-US" smtClean="0"/>
-              <a:t>5/22/2022</a:t>
+              <a:t>6/6/2022</a:t>
             </a:fld>
             <a:endParaRPr lang="en-US"/>
           </a:p>
@@ -2226,7 +2231,7 @@
           <a:p>
             <a:fld id="{2F6C725E-E5A6-46D4-8EB0-2077D4BE5EA3}" type="datetimeFigureOut">
               <a:rPr lang="en-US" smtClean="0"/>
-              <a:t>5/22/2022</a:t>
+              <a:t>6/6/2022</a:t>
             </a:fld>
             <a:endParaRPr lang="en-US"/>
           </a:p>
@@ -2638,7 +2643,7 @@
           <a:p>
             <a:fld id="{2F6C725E-E5A6-46D4-8EB0-2077D4BE5EA3}" type="datetimeFigureOut">
               <a:rPr lang="en-US" smtClean="0"/>
-              <a:t>5/22/2022</a:t>
+              <a:t>6/6/2022</a:t>
             </a:fld>
             <a:endParaRPr lang="en-US"/>
           </a:p>
@@ -2779,7 +2784,7 @@
           <a:p>
             <a:fld id="{2F6C725E-E5A6-46D4-8EB0-2077D4BE5EA3}" type="datetimeFigureOut">
               <a:rPr lang="en-US" smtClean="0"/>
-              <a:t>5/22/2022</a:t>
+              <a:t>6/6/2022</a:t>
             </a:fld>
             <a:endParaRPr lang="en-US"/>
           </a:p>
@@ -2892,7 +2897,7 @@
           <a:p>
             <a:fld id="{2F6C725E-E5A6-46D4-8EB0-2077D4BE5EA3}" type="datetimeFigureOut">
               <a:rPr lang="en-US" smtClean="0"/>
-              <a:t>5/22/2022</a:t>
+              <a:t>6/6/2022</a:t>
             </a:fld>
             <a:endParaRPr lang="en-US"/>
           </a:p>
@@ -3203,7 +3208,7 @@
           <a:p>
             <a:fld id="{2F6C725E-E5A6-46D4-8EB0-2077D4BE5EA3}" type="datetimeFigureOut">
               <a:rPr lang="en-US" smtClean="0"/>
-              <a:t>5/22/2022</a:t>
+              <a:t>6/6/2022</a:t>
             </a:fld>
             <a:endParaRPr lang="en-US"/>
           </a:p>
@@ -3491,7 +3496,7 @@
           <a:p>
             <a:fld id="{2F6C725E-E5A6-46D4-8EB0-2077D4BE5EA3}" type="datetimeFigureOut">
               <a:rPr lang="en-US" smtClean="0"/>
-              <a:t>5/22/2022</a:t>
+              <a:t>6/6/2022</a:t>
             </a:fld>
             <a:endParaRPr lang="en-US"/>
           </a:p>
@@ -3732,7 +3737,7 @@
           <a:p>
             <a:fld id="{2F6C725E-E5A6-46D4-8EB0-2077D4BE5EA3}" type="datetimeFigureOut">
               <a:rPr lang="en-US" smtClean="0"/>
-              <a:t>5/22/2022</a:t>
+              <a:t>6/6/2022</a:t>
             </a:fld>
             <a:endParaRPr lang="en-US"/>
           </a:p>
@@ -4302,7 +4307,7 @@
           <a:p>
             <a:fld id="{A41EA36B-F569-7043-A718-487F57441DC6}" type="datetimeFigureOut">
               <a:rPr lang="en-NL" smtClean="0"/>
-              <a:t>05/22/2022</a:t>
+              <a:t>06/06/2022</a:t>
             </a:fld>
             <a:endParaRPr lang="en-NL"/>
           </a:p>
@@ -4746,7 +4751,7 @@
             </a:r>
             <a:r>
               <a:rPr lang="en-US" sz="4400" dirty="0"/>
-              <a:t>Code FREEZE</a:t>
+              <a:t>Code FREEZE – Final Presentation Instructions</a:t>
             </a:r>
             <a:endParaRPr lang="en-NL" dirty="0"/>
           </a:p>
@@ -5174,12 +5179,14 @@
         </p:nvSpPr>
         <p:spPr/>
         <p:txBody>
-          <a:bodyPr/>
+          <a:bodyPr>
+            <a:normAutofit lnSpcReduction="10000"/>
+          </a:bodyPr>
           <a:lstStyle/>
           <a:p>
             <a:r>
               <a:rPr lang="en-US" dirty="0"/>
-              <a:t>Each team will have 8 minutes.  You will be stopped if you go over. (Make sure you practice!)</a:t>
+              <a:t>Each team will have 10 minutes.  You will be stopped if you go over. (Make sure you practice!)</a:t>
             </a:r>
           </a:p>
           <a:p>
@@ -5201,7 +5208,7 @@
             </a:r>
             <a:r>
               <a:rPr lang="en-US" dirty="0"/>
-              <a:t>) – but each team will need an opening slide (provided) with:</a:t>
+              <a:t>) – but each team will need an opening slide with:</a:t>
             </a:r>
           </a:p>
           <a:p>
@@ -5215,19 +5222,35 @@
             <a:pPr lvl="1"/>
             <a:r>
               <a:rPr lang="en-US" dirty="0"/>
-              <a:t>Names of Team Members</a:t>
+              <a:t>Names of Team Members, location, company or school</a:t>
             </a:r>
           </a:p>
           <a:p>
             <a:r>
               <a:rPr lang="en-US" dirty="0"/>
-              <a:t>Each team needs to do a technical check in with Ashley, Jan, or Lukas.</a:t>
+              <a:t>Each team needs to do a technical check in with Ashley, Jan, Oleg, or Lukas.</a:t>
             </a:r>
           </a:p>
           <a:p>
             <a:r>
               <a:rPr lang="en-US" dirty="0"/>
-              <a:t>All teams must be in the final session at 15:00 (no more working on the presentation!)and ready to share.  The order of teams will be selected randomly.</a:t>
+              <a:t>For those with slides, please send to </a:t>
+            </a:r>
+            <a:r>
+              <a:rPr lang="en-US" dirty="0">
+                <a:hlinkClick r:id="rId2"/>
+              </a:rPr>
+              <a:t>msa@eage.org</a:t>
+            </a:r>
+            <a:r>
+              <a:rPr lang="en-US" dirty="0"/>
+              <a:t> prior to 14:45</a:t>
+            </a:r>
+          </a:p>
+          <a:p>
+            <a:r>
+              <a:rPr lang="en-US" dirty="0"/>
+              <a:t>All teams must be in the final session at 15:00 and ready to present.  The order of teams will be selected randomly.</a:t>
             </a:r>
           </a:p>
         </p:txBody>
@@ -5340,7 +5363,7 @@
             </a:r>
             <a:r>
               <a:rPr lang="en-US" dirty="0"/>
-              <a:t>of Explainable AI (Did the presentation demonstrate the team’s ambition to make machine learning more transparent?)</a:t>
+              <a:t>of Explainable AI (Did the presentation demonstrate the team’s ambition to make machine learning more interpretable?)</a:t>
             </a:r>
           </a:p>
           <a:p>
@@ -5360,7 +5383,7 @@
             </a:r>
             <a:r>
               <a:rPr lang="en-US" dirty="0"/>
-              <a:t>, with good explanation of the challenge and the solution direction</a:t>
+              <a:t>, with good explanation of the challenge and the solution direction (Can you communicate your idea and solution to a general audience?)</a:t>
             </a:r>
           </a:p>
           <a:p>
